--- a/doc/tex/images/huygens-fresnel.pptx
+++ b/doc/tex/images/huygens-fresnel.pptx
@@ -288,7 +288,7 @@
           <a:p>
             <a:fld id="{60916E8B-8A1F-4C45-BFA1-790E8F8C9636}" type="datetimeFigureOut">
               <a:rPr lang="en-US" smtClean="0"/>
-              <a:t>2014-07-09</a:t>
+              <a:t>2015-03-06</a:t>
             </a:fld>
             <a:endParaRPr lang="en-US"/>
           </a:p>
@@ -458,7 +458,7 @@
           <a:p>
             <a:fld id="{60916E8B-8A1F-4C45-BFA1-790E8F8C9636}" type="datetimeFigureOut">
               <a:rPr lang="en-US" smtClean="0"/>
-              <a:t>2014-07-09</a:t>
+              <a:t>2015-03-06</a:t>
             </a:fld>
             <a:endParaRPr lang="en-US"/>
           </a:p>
@@ -638,7 +638,7 @@
           <a:p>
             <a:fld id="{60916E8B-8A1F-4C45-BFA1-790E8F8C9636}" type="datetimeFigureOut">
               <a:rPr lang="en-US" smtClean="0"/>
-              <a:t>2014-07-09</a:t>
+              <a:t>2015-03-06</a:t>
             </a:fld>
             <a:endParaRPr lang="en-US"/>
           </a:p>
@@ -808,7 +808,7 @@
           <a:p>
             <a:fld id="{60916E8B-8A1F-4C45-BFA1-790E8F8C9636}" type="datetimeFigureOut">
               <a:rPr lang="en-US" smtClean="0"/>
-              <a:t>2014-07-09</a:t>
+              <a:t>2015-03-06</a:t>
             </a:fld>
             <a:endParaRPr lang="en-US"/>
           </a:p>
@@ -1054,7 +1054,7 @@
           <a:p>
             <a:fld id="{60916E8B-8A1F-4C45-BFA1-790E8F8C9636}" type="datetimeFigureOut">
               <a:rPr lang="en-US" smtClean="0"/>
-              <a:t>2014-07-09</a:t>
+              <a:t>2015-03-06</a:t>
             </a:fld>
             <a:endParaRPr lang="en-US"/>
           </a:p>
@@ -1342,7 +1342,7 @@
           <a:p>
             <a:fld id="{60916E8B-8A1F-4C45-BFA1-790E8F8C9636}" type="datetimeFigureOut">
               <a:rPr lang="en-US" smtClean="0"/>
-              <a:t>2014-07-09</a:t>
+              <a:t>2015-03-06</a:t>
             </a:fld>
             <a:endParaRPr lang="en-US"/>
           </a:p>
@@ -1764,7 +1764,7 @@
           <a:p>
             <a:fld id="{60916E8B-8A1F-4C45-BFA1-790E8F8C9636}" type="datetimeFigureOut">
               <a:rPr lang="en-US" smtClean="0"/>
-              <a:t>2014-07-09</a:t>
+              <a:t>2015-03-06</a:t>
             </a:fld>
             <a:endParaRPr lang="en-US"/>
           </a:p>
@@ -1882,7 +1882,7 @@
           <a:p>
             <a:fld id="{60916E8B-8A1F-4C45-BFA1-790E8F8C9636}" type="datetimeFigureOut">
               <a:rPr lang="en-US" smtClean="0"/>
-              <a:t>2014-07-09</a:t>
+              <a:t>2015-03-06</a:t>
             </a:fld>
             <a:endParaRPr lang="en-US"/>
           </a:p>
@@ -1977,7 +1977,7 @@
           <a:p>
             <a:fld id="{60916E8B-8A1F-4C45-BFA1-790E8F8C9636}" type="datetimeFigureOut">
               <a:rPr lang="en-US" smtClean="0"/>
-              <a:t>2014-07-09</a:t>
+              <a:t>2015-03-06</a:t>
             </a:fld>
             <a:endParaRPr lang="en-US"/>
           </a:p>
@@ -2254,7 +2254,7 @@
           <a:p>
             <a:fld id="{60916E8B-8A1F-4C45-BFA1-790E8F8C9636}" type="datetimeFigureOut">
               <a:rPr lang="en-US" smtClean="0"/>
-              <a:t>2014-07-09</a:t>
+              <a:t>2015-03-06</a:t>
             </a:fld>
             <a:endParaRPr lang="en-US"/>
           </a:p>
@@ -2507,7 +2507,7 @@
           <a:p>
             <a:fld id="{60916E8B-8A1F-4C45-BFA1-790E8F8C9636}" type="datetimeFigureOut">
               <a:rPr lang="en-US" smtClean="0"/>
-              <a:t>2014-07-09</a:t>
+              <a:t>2015-03-06</a:t>
             </a:fld>
             <a:endParaRPr lang="en-US"/>
           </a:p>
@@ -2720,7 +2720,7 @@
           <a:p>
             <a:fld id="{60916E8B-8A1F-4C45-BFA1-790E8F8C9636}" type="datetimeFigureOut">
               <a:rPr lang="en-US" smtClean="0"/>
-              <a:t>2014-07-09</a:t>
+              <a:t>2015-03-06</a:t>
             </a:fld>
             <a:endParaRPr lang="en-US"/>
           </a:p>
@@ -3097,56 +3097,6 @@
       </p:grpSpPr>
       <p:sp>
         <p:nvSpPr>
-          <p:cNvPr id="29" name="Rectangle 28"/>
-          <p:cNvSpPr/>
-          <p:nvPr/>
-        </p:nvSpPr>
-        <p:spPr>
-          <a:xfrm>
-            <a:off x="5919786" y="800097"/>
-            <a:ext cx="45719" cy="61911"/>
-          </a:xfrm>
-          <a:prstGeom prst="rect">
-            <a:avLst/>
-          </a:prstGeom>
-          <a:solidFill>
-            <a:schemeClr val="bg1">
-              <a:lumMod val="75000"/>
-            </a:schemeClr>
-          </a:solidFill>
-          <a:ln>
-            <a:solidFill>
-              <a:schemeClr val="tx1"/>
-            </a:solidFill>
-          </a:ln>
-        </p:spPr>
-        <p:style>
-          <a:lnRef idx="2">
-            <a:schemeClr val="accent1">
-              <a:shade val="50000"/>
-            </a:schemeClr>
-          </a:lnRef>
-          <a:fillRef idx="1">
-            <a:schemeClr val="accent1"/>
-          </a:fillRef>
-          <a:effectRef idx="0">
-            <a:schemeClr val="accent1"/>
-          </a:effectRef>
-          <a:fontRef idx="minor">
-            <a:schemeClr val="lt1"/>
-          </a:fontRef>
-        </p:style>
-        <p:txBody>
-          <a:bodyPr lIns="91429" tIns="45715" rIns="91429" bIns="45715" rtlCol="0" anchor="ctr"/>
-          <a:lstStyle/>
-          <a:p>
-            <a:pPr algn="ctr"/>
-            <a:endParaRPr lang="en-US"/>
-          </a:p>
-        </p:txBody>
-      </p:sp>
-      <p:sp>
-        <p:nvSpPr>
           <p:cNvPr id="30" name="Oval 29"/>
           <p:cNvSpPr/>
           <p:nvPr/>
@@ -3364,7 +3314,7 @@
         <p:spPr>
           <a:xfrm>
             <a:off x="1220391" y="798751"/>
-            <a:ext cx="351356" cy="461655"/>
+            <a:ext cx="290442" cy="461655"/>
           </a:xfrm>
           <a:prstGeom prst="rect">
             <a:avLst/>
@@ -3378,8 +3328,8 @@
           <a:lstStyle/>
           <a:p>
             <a:r>
-              <a:rPr lang="el-GR" sz="2400" i="1" dirty="0" smtClean="0"/>
-              <a:t>ρ</a:t>
+              <a:rPr lang="en-US" sz="2400" i="1" dirty="0" smtClean="0"/>
+              <a:t>r</a:t>
             </a:r>
             <a:endParaRPr lang="en-US" sz="2400" i="1" dirty="0"/>
           </a:p>
@@ -3430,8 +3380,8 @@
         </p:nvCxnSpPr>
         <p:spPr>
           <a:xfrm flipV="1">
-            <a:off x="5943600" y="838200"/>
-            <a:ext cx="0" cy="495300"/>
+            <a:off x="5943600" y="862008"/>
+            <a:ext cx="0" cy="471492"/>
           </a:xfrm>
           <a:prstGeom prst="straightConnector1">
             <a:avLst/>
@@ -3482,8 +3432,8 @@
           <a:lstStyle/>
           <a:p>
             <a:r>
-              <a:rPr lang="el-GR" sz="2400" i="1" dirty="0" smtClean="0"/>
-              <a:t>ρ</a:t>
+              <a:rPr lang="en-US" sz="2400" i="1" dirty="0" smtClean="0"/>
+              <a:t>r</a:t>
             </a:r>
             <a:r>
               <a:rPr lang="en-US" sz="2400" dirty="0" smtClean="0"/>
@@ -3644,7 +3594,7 @@
         </p:nvCxnSpPr>
         <p:spPr>
           <a:xfrm flipH="1" flipV="1">
-            <a:off x="5940037" y="76200"/>
+            <a:off x="5943600" y="76200"/>
             <a:ext cx="1190" cy="2633662"/>
           </a:xfrm>
           <a:prstGeom prst="line">
@@ -3747,6 +3697,56 @@
           </a:p>
         </p:txBody>
       </p:sp>
+      <p:sp>
+        <p:nvSpPr>
+          <p:cNvPr id="29" name="Rectangle 28"/>
+          <p:cNvSpPr/>
+          <p:nvPr/>
+        </p:nvSpPr>
+        <p:spPr>
+          <a:xfrm>
+            <a:off x="5919786" y="800097"/>
+            <a:ext cx="45719" cy="61911"/>
+          </a:xfrm>
+          <a:prstGeom prst="rect">
+            <a:avLst/>
+          </a:prstGeom>
+          <a:solidFill>
+            <a:schemeClr val="bg1">
+              <a:lumMod val="75000"/>
+            </a:schemeClr>
+          </a:solidFill>
+          <a:ln>
+            <a:solidFill>
+              <a:schemeClr val="tx1"/>
+            </a:solidFill>
+          </a:ln>
+        </p:spPr>
+        <p:style>
+          <a:lnRef idx="2">
+            <a:schemeClr val="accent1">
+              <a:shade val="50000"/>
+            </a:schemeClr>
+          </a:lnRef>
+          <a:fillRef idx="1">
+            <a:schemeClr val="accent1"/>
+          </a:fillRef>
+          <a:effectRef idx="0">
+            <a:schemeClr val="accent1"/>
+          </a:effectRef>
+          <a:fontRef idx="minor">
+            <a:schemeClr val="lt1"/>
+          </a:fontRef>
+        </p:style>
+        <p:txBody>
+          <a:bodyPr lIns="91429" tIns="45715" rIns="91429" bIns="45715" rtlCol="0" anchor="ctr"/>
+          <a:lstStyle/>
+          <a:p>
+            <a:pPr algn="ctr"/>
+            <a:endParaRPr lang="en-US"/>
+          </a:p>
+        </p:txBody>
+      </p:sp>
     </p:spTree>
     <p:extLst>
       <p:ext uri="{BB962C8B-B14F-4D97-AF65-F5344CB8AC3E}">
@@ -3757,6 +3757,13 @@
   <p:clrMapOvr>
     <a:masterClrMapping/>
   </p:clrMapOvr>
+  <p:timing>
+    <p:tnLst>
+      <p:par>
+        <p:cTn id="1" dur="indefinite" restart="never" nodeType="tmRoot"/>
+      </p:par>
+    </p:tnLst>
+  </p:timing>
 </p:sld>
 </file>
 
